--- a/HC_DB_Analyses/EIMetric2Pools.pptx
+++ b/HC_DB_Analyses/EIMetric2Pools.pptx
@@ -208,7 +208,7 @@
           <a:p>
             <a:fld id="{767DAEA1-967D-4ACD-89D4-B5AB51550092}" type="datetimeFigureOut">
               <a:rPr lang="en-US" smtClean="0"/>
-              <a:t>10/21/17</a:t>
+              <a:t>5/13/18</a:t>
             </a:fld>
             <a:endParaRPr lang="en-US"/>
           </a:p>
@@ -746,7 +746,7 @@
           <a:p>
             <a:fld id="{07CFCC3F-9C50-4357-A512-F047B52B42A6}" type="datetimeFigureOut">
               <a:rPr lang="en-US" smtClean="0"/>
-              <a:t>10/21/17</a:t>
+              <a:t>5/13/18</a:t>
             </a:fld>
             <a:endParaRPr lang="en-US"/>
           </a:p>
@@ -916,7 +916,7 @@
           <a:p>
             <a:fld id="{07CFCC3F-9C50-4357-A512-F047B52B42A6}" type="datetimeFigureOut">
               <a:rPr lang="en-US" smtClean="0"/>
-              <a:t>10/21/17</a:t>
+              <a:t>5/13/18</a:t>
             </a:fld>
             <a:endParaRPr lang="en-US"/>
           </a:p>
@@ -1096,7 +1096,7 @@
           <a:p>
             <a:fld id="{07CFCC3F-9C50-4357-A512-F047B52B42A6}" type="datetimeFigureOut">
               <a:rPr lang="en-US" smtClean="0"/>
-              <a:t>10/21/17</a:t>
+              <a:t>5/13/18</a:t>
             </a:fld>
             <a:endParaRPr lang="en-US"/>
           </a:p>
@@ -1266,7 +1266,7 @@
           <a:p>
             <a:fld id="{07CFCC3F-9C50-4357-A512-F047B52B42A6}" type="datetimeFigureOut">
               <a:rPr lang="en-US" smtClean="0"/>
-              <a:t>10/21/17</a:t>
+              <a:t>5/13/18</a:t>
             </a:fld>
             <a:endParaRPr lang="en-US"/>
           </a:p>
@@ -1512,7 +1512,7 @@
           <a:p>
             <a:fld id="{07CFCC3F-9C50-4357-A512-F047B52B42A6}" type="datetimeFigureOut">
               <a:rPr lang="en-US" smtClean="0"/>
-              <a:t>10/21/17</a:t>
+              <a:t>5/13/18</a:t>
             </a:fld>
             <a:endParaRPr lang="en-US"/>
           </a:p>
@@ -1800,7 +1800,7 @@
           <a:p>
             <a:fld id="{07CFCC3F-9C50-4357-A512-F047B52B42A6}" type="datetimeFigureOut">
               <a:rPr lang="en-US" smtClean="0"/>
-              <a:t>10/21/17</a:t>
+              <a:t>5/13/18</a:t>
             </a:fld>
             <a:endParaRPr lang="en-US"/>
           </a:p>
@@ -2227,7 +2227,7 @@
           <a:p>
             <a:fld id="{07CFCC3F-9C50-4357-A512-F047B52B42A6}" type="datetimeFigureOut">
               <a:rPr lang="en-US" smtClean="0"/>
-              <a:t>10/21/17</a:t>
+              <a:t>5/13/18</a:t>
             </a:fld>
             <a:endParaRPr lang="en-US"/>
           </a:p>
@@ -2345,7 +2345,7 @@
           <a:p>
             <a:fld id="{07CFCC3F-9C50-4357-A512-F047B52B42A6}" type="datetimeFigureOut">
               <a:rPr lang="en-US" smtClean="0"/>
-              <a:t>10/21/17</a:t>
+              <a:t>5/13/18</a:t>
             </a:fld>
             <a:endParaRPr lang="en-US"/>
           </a:p>
@@ -2440,7 +2440,7 @@
           <a:p>
             <a:fld id="{07CFCC3F-9C50-4357-A512-F047B52B42A6}" type="datetimeFigureOut">
               <a:rPr lang="en-US" smtClean="0"/>
-              <a:t>10/21/17</a:t>
+              <a:t>5/13/18</a:t>
             </a:fld>
             <a:endParaRPr lang="en-US"/>
           </a:p>
@@ -2717,7 +2717,7 @@
           <a:p>
             <a:fld id="{07CFCC3F-9C50-4357-A512-F047B52B42A6}" type="datetimeFigureOut">
               <a:rPr lang="en-US" smtClean="0"/>
-              <a:t>10/21/17</a:t>
+              <a:t>5/13/18</a:t>
             </a:fld>
             <a:endParaRPr lang="en-US"/>
           </a:p>
@@ -2970,7 +2970,7 @@
           <a:p>
             <a:fld id="{07CFCC3F-9C50-4357-A512-F047B52B42A6}" type="datetimeFigureOut">
               <a:rPr lang="en-US" smtClean="0"/>
-              <a:t>10/21/17</a:t>
+              <a:t>5/13/18</a:t>
             </a:fld>
             <a:endParaRPr lang="en-US"/>
           </a:p>
@@ -3183,7 +3183,7 @@
           <a:p>
             <a:fld id="{07CFCC3F-9C50-4357-A512-F047B52B42A6}" type="datetimeFigureOut">
               <a:rPr lang="en-US" smtClean="0"/>
-              <a:t>10/21/17</a:t>
+              <a:t>5/13/18</a:t>
             </a:fld>
             <a:endParaRPr lang="en-US"/>
           </a:p>
@@ -3560,7 +3560,7 @@
       </p:grpSpPr>
       <p:pic>
         <p:nvPicPr>
-          <p:cNvPr id="2" name="Picture 1"/>
+          <p:cNvPr id="10" name="Picture 9"/>
           <p:cNvPicPr>
             <a:picLocks noChangeAspect="1"/>
           </p:cNvPicPr>
@@ -3580,8 +3580,8 @@
         </p:blipFill>
         <p:spPr>
           <a:xfrm>
-            <a:off x="368780" y="577740"/>
-            <a:ext cx="6806564" cy="5172518"/>
+            <a:off x="368779" y="577736"/>
+            <a:ext cx="6806563" cy="5172518"/>
           </a:xfrm>
           <a:prstGeom prst="rect">
             <a:avLst/>
@@ -3590,7 +3590,7 @@
       </p:pic>
       <p:pic>
         <p:nvPicPr>
-          <p:cNvPr id="3" name="Picture 2"/>
+          <p:cNvPr id="11" name="Picture 10"/>
           <p:cNvPicPr>
             <a:picLocks noChangeAspect="1"/>
           </p:cNvPicPr>
@@ -3610,8 +3610,8 @@
         </p:blipFill>
         <p:spPr>
           <a:xfrm>
-            <a:off x="369016" y="10921081"/>
-            <a:ext cx="6806566" cy="5172520"/>
+            <a:off x="371005" y="5750254"/>
+            <a:ext cx="6804336" cy="5170825"/>
           </a:xfrm>
           <a:prstGeom prst="rect">
             <a:avLst/>
@@ -3620,7 +3620,7 @@
       </p:pic>
       <p:pic>
         <p:nvPicPr>
-          <p:cNvPr id="4" name="Picture 3"/>
+          <p:cNvPr id="12" name="Picture 11"/>
           <p:cNvPicPr>
             <a:picLocks noChangeAspect="1"/>
           </p:cNvPicPr>
@@ -3640,8 +3640,8 @@
         </p:blipFill>
         <p:spPr>
           <a:xfrm>
-            <a:off x="368780" y="5750258"/>
-            <a:ext cx="6806568" cy="5172522"/>
+            <a:off x="368780" y="10921077"/>
+            <a:ext cx="6806560" cy="5172516"/>
           </a:xfrm>
           <a:prstGeom prst="rect">
             <a:avLst/>
@@ -3650,7 +3650,7 @@
       </p:pic>
       <p:pic>
         <p:nvPicPr>
-          <p:cNvPr id="5" name="Picture 4"/>
+          <p:cNvPr id="13" name="Picture 12"/>
           <p:cNvPicPr>
             <a:picLocks noChangeAspect="1"/>
           </p:cNvPicPr>
@@ -3670,8 +3670,8 @@
         </p:blipFill>
         <p:spPr>
           <a:xfrm>
-            <a:off x="7175343" y="577740"/>
-            <a:ext cx="6806563" cy="5172518"/>
+            <a:off x="7175340" y="576037"/>
+            <a:ext cx="6806566" cy="5172520"/>
           </a:xfrm>
           <a:prstGeom prst="rect">
             <a:avLst/>
@@ -3680,7 +3680,7 @@
       </p:pic>
       <p:pic>
         <p:nvPicPr>
-          <p:cNvPr id="6" name="Picture 5"/>
+          <p:cNvPr id="14" name="Picture 13"/>
           <p:cNvPicPr>
             <a:picLocks noChangeAspect="1"/>
           </p:cNvPicPr>
@@ -3700,8 +3700,8 @@
         </p:blipFill>
         <p:spPr>
           <a:xfrm>
-            <a:off x="7175342" y="5750258"/>
-            <a:ext cx="6806564" cy="5172518"/>
+            <a:off x="7175339" y="5748556"/>
+            <a:ext cx="6806562" cy="5172517"/>
           </a:xfrm>
           <a:prstGeom prst="rect">
             <a:avLst/>
@@ -3710,7 +3710,7 @@
       </p:pic>
       <p:pic>
         <p:nvPicPr>
-          <p:cNvPr id="7" name="Picture 6"/>
+          <p:cNvPr id="15" name="Picture 14"/>
           <p:cNvPicPr>
             <a:picLocks noChangeAspect="1"/>
           </p:cNvPicPr>
@@ -3730,7 +3730,7 @@
         </p:blipFill>
         <p:spPr>
           <a:xfrm>
-            <a:off x="7175341" y="10921081"/>
+            <a:off x="7177382" y="10919376"/>
             <a:ext cx="6900608" cy="5172517"/>
           </a:xfrm>
           <a:prstGeom prst="rect">
